--- a/slides/11-modules.pptx
+++ b/slides/11-modules.pptx
@@ -12453,7 +12453,7 @@
         </p:nvSpPr>
         <p:spPr>
           <a:xfrm>
-            <a:off x="3080792" y="5879013"/>
+            <a:off x="3080792" y="5878295"/>
             <a:ext cx="4375331" cy="646331"/>
           </a:xfrm>
           <a:prstGeom prst="rect">
